--- a/Fig/Paper Figs/Arch_Inc_Uninf.pptx
+++ b/Fig/Paper Figs/Arch_Inc_Uninf.pptx
@@ -209,7 +209,7 @@
             <a:fld id="{E8B021B6-18E8-394A-9660-E0698FE537D8}" type="datetimeFigureOut">
               <a:rPr lang="en-US" smtClean="0"/>
               <a:pPr/>
-              <a:t>11/3/22</a:t>
+              <a:t>1/4/23</a:t>
             </a:fld>
             <a:endParaRPr lang="en-US" dirty="0"/>
           </a:p>
@@ -744,7 +744,7 @@
             <a:fld id="{423839E0-6127-7048-A4DA-64E2F6DF927A}" type="datetimeFigureOut">
               <a:rPr lang="en-US" smtClean="0"/>
               <a:pPr/>
-              <a:t>11/3/22</a:t>
+              <a:t>1/4/23</a:t>
             </a:fld>
             <a:endParaRPr lang="en-US" dirty="0"/>
           </a:p>
@@ -909,7 +909,7 @@
             <a:fld id="{423839E0-6127-7048-A4DA-64E2F6DF927A}" type="datetimeFigureOut">
               <a:rPr lang="en-US" smtClean="0"/>
               <a:pPr/>
-              <a:t>11/3/22</a:t>
+              <a:t>1/4/23</a:t>
             </a:fld>
             <a:endParaRPr lang="en-US" dirty="0"/>
           </a:p>
@@ -1084,7 +1084,7 @@
             <a:fld id="{423839E0-6127-7048-A4DA-64E2F6DF927A}" type="datetimeFigureOut">
               <a:rPr lang="en-US" smtClean="0"/>
               <a:pPr/>
-              <a:t>11/3/22</a:t>
+              <a:t>1/4/23</a:t>
             </a:fld>
             <a:endParaRPr lang="en-US" dirty="0"/>
           </a:p>
@@ -1249,7 +1249,7 @@
             <a:fld id="{423839E0-6127-7048-A4DA-64E2F6DF927A}" type="datetimeFigureOut">
               <a:rPr lang="en-US" smtClean="0"/>
               <a:pPr/>
-              <a:t>11/3/22</a:t>
+              <a:t>1/4/23</a:t>
             </a:fld>
             <a:endParaRPr lang="en-US" dirty="0"/>
           </a:p>
@@ -1491,7 +1491,7 @@
             <a:fld id="{423839E0-6127-7048-A4DA-64E2F6DF927A}" type="datetimeFigureOut">
               <a:rPr lang="en-US" smtClean="0"/>
               <a:pPr/>
-              <a:t>11/3/22</a:t>
+              <a:t>1/4/23</a:t>
             </a:fld>
             <a:endParaRPr lang="en-US" dirty="0"/>
           </a:p>
@@ -1773,7 +1773,7 @@
             <a:fld id="{423839E0-6127-7048-A4DA-64E2F6DF927A}" type="datetimeFigureOut">
               <a:rPr lang="en-US" smtClean="0"/>
               <a:pPr/>
-              <a:t>11/3/22</a:t>
+              <a:t>1/4/23</a:t>
             </a:fld>
             <a:endParaRPr lang="en-US" dirty="0"/>
           </a:p>
@@ -2189,7 +2189,7 @@
             <a:fld id="{423839E0-6127-7048-A4DA-64E2F6DF927A}" type="datetimeFigureOut">
               <a:rPr lang="en-US" smtClean="0"/>
               <a:pPr/>
-              <a:t>11/3/22</a:t>
+              <a:t>1/4/23</a:t>
             </a:fld>
             <a:endParaRPr lang="en-US" dirty="0"/>
           </a:p>
@@ -2303,7 +2303,7 @@
             <a:fld id="{423839E0-6127-7048-A4DA-64E2F6DF927A}" type="datetimeFigureOut">
               <a:rPr lang="en-US" smtClean="0"/>
               <a:pPr/>
-              <a:t>11/3/22</a:t>
+              <a:t>1/4/23</a:t>
             </a:fld>
             <a:endParaRPr lang="en-US" dirty="0"/>
           </a:p>
@@ -2395,7 +2395,7 @@
             <a:fld id="{423839E0-6127-7048-A4DA-64E2F6DF927A}" type="datetimeFigureOut">
               <a:rPr lang="en-US" smtClean="0"/>
               <a:pPr/>
-              <a:t>11/3/22</a:t>
+              <a:t>1/4/23</a:t>
             </a:fld>
             <a:endParaRPr lang="en-US" dirty="0"/>
           </a:p>
@@ -2667,7 +2667,7 @@
             <a:fld id="{423839E0-6127-7048-A4DA-64E2F6DF927A}" type="datetimeFigureOut">
               <a:rPr lang="en-US" smtClean="0"/>
               <a:pPr/>
-              <a:t>11/3/22</a:t>
+              <a:t>1/4/23</a:t>
             </a:fld>
             <a:endParaRPr lang="en-US" dirty="0"/>
           </a:p>
@@ -2916,7 +2916,7 @@
             <a:fld id="{423839E0-6127-7048-A4DA-64E2F6DF927A}" type="datetimeFigureOut">
               <a:rPr lang="en-US" smtClean="0"/>
               <a:pPr/>
-              <a:t>11/3/22</a:t>
+              <a:t>1/4/23</a:t>
             </a:fld>
             <a:endParaRPr lang="en-US" dirty="0"/>
           </a:p>
@@ -3124,7 +3124,7 @@
             <a:fld id="{423839E0-6127-7048-A4DA-64E2F6DF927A}" type="datetimeFigureOut">
               <a:rPr lang="en-US" smtClean="0"/>
               <a:pPr/>
-              <a:t>11/3/22</a:t>
+              <a:t>1/4/23</a:t>
             </a:fld>
             <a:endParaRPr lang="en-US" dirty="0"/>
           </a:p>
@@ -3599,7 +3599,7 @@
         </p:nvSpPr>
         <p:spPr>
           <a:xfrm>
-            <a:off x="1413042" y="3022792"/>
+            <a:off x="1391270" y="3022792"/>
             <a:ext cx="5581978" cy="3047998"/>
           </a:xfrm>
           <a:prstGeom prst="roundRect">
@@ -3730,7 +3730,7 @@
         </p:nvCxnSpPr>
         <p:spPr>
           <a:xfrm>
-            <a:off x="839075" y="5810865"/>
+            <a:off x="809095" y="5810865"/>
             <a:ext cx="388714" cy="0"/>
           </a:xfrm>
           <a:prstGeom prst="straightConnector1">
@@ -3840,8 +3840,8 @@
         </p:nvSpPr>
         <p:spPr>
           <a:xfrm>
-            <a:off x="5160805" y="4287497"/>
-            <a:ext cx="420243" cy="307777"/>
+            <a:off x="4971555" y="4287497"/>
+            <a:ext cx="609494" cy="338554"/>
           </a:xfrm>
           <a:prstGeom prst="rect">
             <a:avLst/>
@@ -3856,10 +3856,10 @@
           <a:p>
             <a:pPr algn="ctr"/>
             <a:r>
-              <a:rPr lang="en-US" sz="1400" dirty="0"/>
+              <a:rPr lang="en-US" sz="1600" dirty="0"/>
               <a:t>Yes</a:t>
             </a:r>
-            <a:endParaRPr lang="en-US" dirty="0"/>
+            <a:endParaRPr lang="en-US" sz="2000" dirty="0"/>
           </a:p>
         </p:txBody>
       </p:sp>
@@ -4033,7 +4033,7 @@
         </p:nvSpPr>
         <p:spPr>
           <a:xfrm>
-            <a:off x="3368344" y="4651382"/>
+            <a:off x="3368344" y="4010100"/>
             <a:ext cx="1080232" cy="646331"/>
           </a:xfrm>
           <a:prstGeom prst="rect">
@@ -4125,8 +4125,8 @@
         </p:nvSpPr>
         <p:spPr>
           <a:xfrm>
-            <a:off x="4480106" y="3595913"/>
-            <a:ext cx="2272007" cy="2000209"/>
+            <a:off x="4324618" y="3595913"/>
+            <a:ext cx="2427496" cy="2210484"/>
           </a:xfrm>
           <a:prstGeom prst="roundRect">
             <a:avLst/>
@@ -4171,7 +4171,7 @@
         </p:nvSpPr>
         <p:spPr>
           <a:xfrm>
-            <a:off x="7307100" y="4633271"/>
+            <a:off x="7307100" y="4698845"/>
             <a:ext cx="1431279" cy="738662"/>
           </a:xfrm>
           <a:prstGeom prst="rect">
@@ -4238,8 +4238,8 @@
         </p:nvCxnSpPr>
         <p:spPr>
           <a:xfrm rot="16200000" flipH="1" flipV="1">
-            <a:off x="3705904" y="2349705"/>
-            <a:ext cx="663999" cy="3156413"/>
+            <a:off x="3667032" y="2388577"/>
+            <a:ext cx="663999" cy="3078669"/>
           </a:xfrm>
           <a:prstGeom prst="bentConnector3">
             <a:avLst>
@@ -4282,15 +4282,14 @@
           </p:cNvPr>
           <p:cNvCxnSpPr>
             <a:cxnSpLocks/>
-            <a:stCxn id="20" idx="3"/>
             <a:endCxn id="110" idx="1"/>
           </p:cNvCxnSpPr>
           <p:nvPr/>
         </p:nvCxnSpPr>
         <p:spPr>
-          <a:xfrm>
-            <a:off x="3333718" y="4966969"/>
-            <a:ext cx="1396372" cy="6623"/>
+          <a:xfrm flipV="1">
+            <a:off x="3342216" y="5066153"/>
+            <a:ext cx="1229785" cy="1514"/>
           </a:xfrm>
           <a:prstGeom prst="straightConnector1">
             <a:avLst/>
@@ -4332,13 +4331,14 @@
           <p:cNvCxnSpPr>
             <a:cxnSpLocks/>
             <a:stCxn id="110" idx="3"/>
+            <a:endCxn id="91" idx="1"/>
           </p:cNvCxnSpPr>
           <p:nvPr/>
         </p:nvCxnSpPr>
         <p:spPr>
-          <a:xfrm flipV="1">
-            <a:off x="6497577" y="4967751"/>
-            <a:ext cx="789859" cy="5841"/>
+          <a:xfrm>
+            <a:off x="6501007" y="5066153"/>
+            <a:ext cx="806093" cy="2023"/>
           </a:xfrm>
           <a:prstGeom prst="straightConnector1">
             <a:avLst/>
@@ -4383,7 +4383,7 @@
         <p:spPr>
           <a:xfrm>
             <a:off x="6081859" y="429981"/>
-            <a:ext cx="2237919" cy="523220"/>
+            <a:ext cx="2237919" cy="584775"/>
           </a:xfrm>
           <a:prstGeom prst="rect">
             <a:avLst/>
@@ -4398,8 +4398,8 @@
           <a:p>
             <a:pPr algn="ctr"/>
             <a:r>
-              <a:rPr lang="en-US" sz="1400" dirty="0"/>
-              <a:t>Parameters Values with Maximum Consistency</a:t>
+              <a:rPr lang="en-US" sz="1600" dirty="0"/>
+              <a:t>Parameters Values With Maximum Consistency</a:t>
             </a:r>
           </a:p>
         </p:txBody>
@@ -4418,8 +4418,8 @@
         </p:nvSpPr>
         <p:spPr>
           <a:xfrm>
-            <a:off x="4730090" y="4514278"/>
-            <a:ext cx="1767487" cy="918627"/>
+            <a:off x="4572001" y="4553160"/>
+            <a:ext cx="1929006" cy="1025986"/>
           </a:xfrm>
           <a:prstGeom prst="flowChartDecision">
             <a:avLst/>
@@ -4457,8 +4457,8 @@
         </p:nvSpPr>
         <p:spPr>
           <a:xfrm>
-            <a:off x="5025824" y="4727111"/>
-            <a:ext cx="1169230" cy="523220"/>
+            <a:off x="4736064" y="4835965"/>
+            <a:ext cx="1619761" cy="584775"/>
           </a:xfrm>
           <a:prstGeom prst="rect">
             <a:avLst/>
@@ -4473,14 +4473,14 @@
           <a:p>
             <a:pPr algn="ctr"/>
             <a:r>
-              <a:rPr lang="en-US" sz="1400" dirty="0"/>
-              <a:t>Mutual ARI</a:t>
+              <a:rPr lang="en-US" sz="1600" dirty="0"/>
+              <a:t>Cross-toolkit ARI</a:t>
             </a:r>
           </a:p>
           <a:p>
             <a:pPr algn="ctr"/>
             <a:r>
-              <a:rPr lang="en-US" sz="1400" dirty="0"/>
+              <a:rPr lang="en-US" sz="1600" dirty="0"/>
               <a:t>Improved?</a:t>
             </a:r>
           </a:p>
@@ -4500,8 +4500,8 @@
         </p:nvSpPr>
         <p:spPr>
           <a:xfrm>
-            <a:off x="4608868" y="3745263"/>
-            <a:ext cx="2012781" cy="514648"/>
+            <a:off x="4448576" y="3745263"/>
+            <a:ext cx="2173073" cy="514648"/>
           </a:xfrm>
           <a:prstGeom prst="rect">
             <a:avLst/>
@@ -4528,17 +4528,17 @@
           <a:p>
             <a:pPr algn="ctr"/>
             <a:r>
-              <a:rPr lang="en-US" sz="1400" dirty="0"/>
+              <a:rPr lang="en-US" sz="1600" dirty="0"/>
               <a:t>Next Parameter/Value </a:t>
             </a:r>
           </a:p>
           <a:p>
             <a:pPr algn="ctr"/>
             <a:r>
-              <a:rPr lang="en-US" sz="1400" dirty="0"/>
-              <a:t>Of Tool 1</a:t>
-            </a:r>
-            <a:endParaRPr lang="en-US" sz="2000" dirty="0"/>
+              <a:rPr lang="en-US" sz="1600" dirty="0"/>
+              <a:t>of Tool 1</a:t>
+            </a:r>
+            <a:endParaRPr lang="en-US" sz="2400" dirty="0"/>
           </a:p>
         </p:txBody>
       </p:sp>
@@ -4559,9 +4559,9 @@
           <p:nvPr/>
         </p:nvCxnSpPr>
         <p:spPr>
-          <a:xfrm flipV="1">
-            <a:off x="5613834" y="4259911"/>
-            <a:ext cx="1425" cy="254367"/>
+          <a:xfrm flipH="1" flipV="1">
+            <a:off x="5535113" y="4259911"/>
+            <a:ext cx="1391" cy="293249"/>
           </a:xfrm>
           <a:prstGeom prst="straightConnector1">
             <a:avLst/>
@@ -4605,8 +4605,8 @@
         </p:nvSpPr>
         <p:spPr>
           <a:xfrm>
-            <a:off x="6411635" y="4622861"/>
-            <a:ext cx="394660" cy="307777"/>
+            <a:off x="6272910" y="4633747"/>
+            <a:ext cx="555157" cy="338554"/>
           </a:xfrm>
           <a:prstGeom prst="rect">
             <a:avLst/>
@@ -4621,10 +4621,10 @@
           <a:p>
             <a:pPr algn="ctr"/>
             <a:r>
-              <a:rPr lang="en-US" sz="1400" dirty="0"/>
+              <a:rPr lang="en-US" sz="1600" dirty="0"/>
               <a:t>No</a:t>
             </a:r>
-            <a:endParaRPr lang="en-US" dirty="0"/>
+            <a:endParaRPr lang="en-US" sz="2000" dirty="0"/>
           </a:p>
         </p:txBody>
       </p:sp>
@@ -4769,8 +4769,8 @@
         </p:nvSpPr>
         <p:spPr>
           <a:xfrm>
-            <a:off x="7038391" y="3151107"/>
-            <a:ext cx="1977036" cy="514648"/>
+            <a:off x="7005732" y="3151107"/>
+            <a:ext cx="2046607" cy="514648"/>
           </a:xfrm>
           <a:prstGeom prst="rect">
             <a:avLst/>
@@ -4797,15 +4797,15 @@
           <a:p>
             <a:pPr algn="ctr"/>
             <a:r>
-              <a:rPr lang="en-US" sz="1400" dirty="0"/>
+              <a:rPr lang="en-US" sz="1600" dirty="0"/>
               <a:t>Next Parameter/Value</a:t>
             </a:r>
           </a:p>
           <a:p>
             <a:pPr algn="ctr"/>
             <a:r>
-              <a:rPr lang="en-US" sz="1400" dirty="0"/>
-              <a:t>Of Tool 2</a:t>
+              <a:rPr lang="en-US" sz="1600" dirty="0"/>
+              <a:t>of Tool 2</a:t>
             </a:r>
           </a:p>
         </p:txBody>
@@ -4829,7 +4829,7 @@
         <p:spPr>
           <a:xfrm flipV="1">
             <a:off x="8022740" y="3665755"/>
-            <a:ext cx="4169" cy="967516"/>
+            <a:ext cx="6296" cy="1033090"/>
           </a:xfrm>
           <a:prstGeom prst="straightConnector1">
             <a:avLst/>
@@ -4913,8 +4913,8 @@
         </p:nvCxnSpPr>
         <p:spPr>
           <a:xfrm rot="16200000" flipV="1">
-            <a:off x="6051313" y="1175511"/>
-            <a:ext cx="128315" cy="3822878"/>
+            <a:off x="6041491" y="1163561"/>
+            <a:ext cx="128315" cy="3846777"/>
           </a:xfrm>
           <a:prstGeom prst="bentConnector3">
             <a:avLst>
